--- a/docs/CodeForgePresentation.pptx
+++ b/docs/CodeForgePresentation.pptx
@@ -349,7 +349,7 @@
           <a:p>
             <a:fld id="{09328780-FE7F-4983-868D-23984954519B}" type="datetimeFigureOut">
               <a:rPr lang="en-GB" smtClean="0"/>
-              <a:t>17/03/2025</a:t>
+              <a:t>26/03/2025</a:t>
             </a:fld>
             <a:endParaRPr lang="en-GB"/>
           </a:p>
@@ -683,7 +683,7 @@
           <a:p>
             <a:fld id="{09328780-FE7F-4983-868D-23984954519B}" type="datetimeFigureOut">
               <a:rPr lang="en-GB" smtClean="0"/>
-              <a:t>17/03/2025</a:t>
+              <a:t>26/03/2025</a:t>
             </a:fld>
             <a:endParaRPr lang="en-GB"/>
           </a:p>
@@ -961,7 +961,7 @@
           <a:p>
             <a:fld id="{09328780-FE7F-4983-868D-23984954519B}" type="datetimeFigureOut">
               <a:rPr lang="en-GB" smtClean="0"/>
-              <a:t>17/03/2025</a:t>
+              <a:t>26/03/2025</a:t>
             </a:fld>
             <a:endParaRPr lang="en-GB"/>
           </a:p>
@@ -1529,7 +1529,7 @@
           <a:p>
             <a:fld id="{09328780-FE7F-4983-868D-23984954519B}" type="datetimeFigureOut">
               <a:rPr lang="en-GB" smtClean="0"/>
-              <a:t>17/03/2025</a:t>
+              <a:t>26/03/2025</a:t>
             </a:fld>
             <a:endParaRPr lang="en-GB"/>
           </a:p>
@@ -1807,7 +1807,7 @@
           <a:p>
             <a:fld id="{09328780-FE7F-4983-868D-23984954519B}" type="datetimeFigureOut">
               <a:rPr lang="en-GB" smtClean="0"/>
-              <a:t>17/03/2025</a:t>
+              <a:t>26/03/2025</a:t>
             </a:fld>
             <a:endParaRPr lang="en-GB"/>
           </a:p>
@@ -2369,7 +2369,7 @@
           <a:p>
             <a:fld id="{09328780-FE7F-4983-868D-23984954519B}" type="datetimeFigureOut">
               <a:rPr lang="en-GB" smtClean="0"/>
-              <a:t>17/03/2025</a:t>
+              <a:t>26/03/2025</a:t>
             </a:fld>
             <a:endParaRPr lang="en-GB"/>
           </a:p>
@@ -2696,7 +2696,7 @@
           <a:p>
             <a:fld id="{09328780-FE7F-4983-868D-23984954519B}" type="datetimeFigureOut">
               <a:rPr lang="en-GB" smtClean="0"/>
-              <a:t>17/03/2025</a:t>
+              <a:t>26/03/2025</a:t>
             </a:fld>
             <a:endParaRPr lang="en-GB"/>
           </a:p>
@@ -2873,7 +2873,7 @@
           <a:p>
             <a:fld id="{09328780-FE7F-4983-868D-23984954519B}" type="datetimeFigureOut">
               <a:rPr lang="en-GB" smtClean="0"/>
-              <a:t>17/03/2025</a:t>
+              <a:t>26/03/2025</a:t>
             </a:fld>
             <a:endParaRPr lang="en-GB"/>
           </a:p>
@@ -3111,7 +3111,7 @@
           <a:p>
             <a:fld id="{09328780-FE7F-4983-868D-23984954519B}" type="datetimeFigureOut">
               <a:rPr lang="en-GB" smtClean="0"/>
-              <a:t>17/03/2025</a:t>
+              <a:t>26/03/2025</a:t>
             </a:fld>
             <a:endParaRPr lang="en-GB"/>
           </a:p>
@@ -3311,7 +3311,7 @@
           <a:p>
             <a:fld id="{09328780-FE7F-4983-868D-23984954519B}" type="datetimeFigureOut">
               <a:rPr lang="en-GB" smtClean="0"/>
-              <a:t>17/03/2025</a:t>
+              <a:t>26/03/2025</a:t>
             </a:fld>
             <a:endParaRPr lang="en-GB"/>
           </a:p>
@@ -3587,7 +3587,7 @@
           <a:p>
             <a:fld id="{09328780-FE7F-4983-868D-23984954519B}" type="datetimeFigureOut">
               <a:rPr lang="en-GB" smtClean="0"/>
-              <a:t>17/03/2025</a:t>
+              <a:t>26/03/2025</a:t>
             </a:fld>
             <a:endParaRPr lang="en-GB"/>
           </a:p>
@@ -3853,7 +3853,7 @@
           <a:p>
             <a:fld id="{09328780-FE7F-4983-868D-23984954519B}" type="datetimeFigureOut">
               <a:rPr lang="en-GB" smtClean="0"/>
-              <a:t>17/03/2025</a:t>
+              <a:t>26/03/2025</a:t>
             </a:fld>
             <a:endParaRPr lang="en-GB"/>
           </a:p>
@@ -4227,7 +4227,7 @@
           <a:p>
             <a:fld id="{09328780-FE7F-4983-868D-23984954519B}" type="datetimeFigureOut">
               <a:rPr lang="en-GB" smtClean="0"/>
-              <a:t>17/03/2025</a:t>
+              <a:t>26/03/2025</a:t>
             </a:fld>
             <a:endParaRPr lang="en-GB"/>
           </a:p>
@@ -4375,7 +4375,7 @@
           <a:p>
             <a:fld id="{09328780-FE7F-4983-868D-23984954519B}" type="datetimeFigureOut">
               <a:rPr lang="en-GB" smtClean="0"/>
-              <a:t>17/03/2025</a:t>
+              <a:t>26/03/2025</a:t>
             </a:fld>
             <a:endParaRPr lang="en-GB"/>
           </a:p>
@@ -4500,7 +4500,7 @@
           <a:p>
             <a:fld id="{09328780-FE7F-4983-868D-23984954519B}" type="datetimeFigureOut">
               <a:rPr lang="en-GB" smtClean="0"/>
-              <a:t>17/03/2025</a:t>
+              <a:t>26/03/2025</a:t>
             </a:fld>
             <a:endParaRPr lang="en-GB"/>
           </a:p>
@@ -4785,7 +4785,7 @@
           <a:p>
             <a:fld id="{09328780-FE7F-4983-868D-23984954519B}" type="datetimeFigureOut">
               <a:rPr lang="en-GB" smtClean="0"/>
-              <a:t>17/03/2025</a:t>
+              <a:t>26/03/2025</a:t>
             </a:fld>
             <a:endParaRPr lang="en-GB"/>
           </a:p>
@@ -5109,7 +5109,7 @@
           <a:p>
             <a:fld id="{09328780-FE7F-4983-868D-23984954519B}" type="datetimeFigureOut">
               <a:rPr lang="en-GB" smtClean="0"/>
-              <a:t>17/03/2025</a:t>
+              <a:t>26/03/2025</a:t>
             </a:fld>
             <a:endParaRPr lang="en-GB"/>
           </a:p>
@@ -5323,7 +5323,7 @@
           <a:p>
             <a:fld id="{09328780-FE7F-4983-868D-23984954519B}" type="datetimeFigureOut">
               <a:rPr lang="en-GB" smtClean="0"/>
-              <a:t>17/03/2025</a:t>
+              <a:t>26/03/2025</a:t>
             </a:fld>
             <a:endParaRPr lang="en-GB"/>
           </a:p>
@@ -6686,15 +6686,6 @@
               <a:srgbClr val="FFFFFF"/>
             </a:contourClr>
           </a:sp3d>
-          <a:extLst>
-            <a:ext uri="{909E8E84-426E-40DD-AFC4-6F175D3DCCD1}">
-              <a14:hiddenFill xmlns:a14="http://schemas.microsoft.com/office/drawing/2010/main">
-                <a:solidFill>
-                  <a:srgbClr val="FFFFFF"/>
-                </a:solidFill>
-              </a14:hiddenFill>
-            </a:ext>
-          </a:extLst>
         </p:spPr>
       </p:pic>
       <p:pic>
@@ -6762,15 +6753,6 @@
               <a:srgbClr val="FFFFFF"/>
             </a:contourClr>
           </a:sp3d>
-          <a:extLst>
-            <a:ext uri="{909E8E84-426E-40DD-AFC4-6F175D3DCCD1}">
-              <a14:hiddenFill xmlns:a14="http://schemas.microsoft.com/office/drawing/2010/main">
-                <a:solidFill>
-                  <a:srgbClr val="FFFFFF"/>
-                </a:solidFill>
-              </a14:hiddenFill>
-            </a:ext>
-          </a:extLst>
         </p:spPr>
       </p:pic>
     </p:spTree>
@@ -7046,41 +7028,42 @@
           </a:p>
         </p:txBody>
       </p:sp>
-      <p:sp>
-        <p:nvSpPr>
-          <p:cNvPr id="7" name="TextBox 6">
+      <p:pic>
+        <p:nvPicPr>
+          <p:cNvPr id="4" name="Picture 3" descr="A screenshot of a computer&#10;&#10;AI-generated content may be incorrect.">
             <a:extLst>
               <a:ext uri="{FF2B5EF4-FFF2-40B4-BE49-F238E27FC236}">
-                <a16:creationId xmlns:a16="http://schemas.microsoft.com/office/drawing/2014/main" id="{9AB5E588-54DE-4F50-A221-C83E452F5ECE}"/>
+                <a16:creationId xmlns:a16="http://schemas.microsoft.com/office/drawing/2014/main" id="{C93A667D-538B-8964-693E-A18921DB7087}"/>
               </a:ext>
             </a:extLst>
           </p:cNvPr>
-          <p:cNvSpPr txBox="1"/>
+          <p:cNvPicPr>
+            <a:picLocks noChangeAspect="1"/>
+          </p:cNvPicPr>
           <p:nvPr/>
-        </p:nvSpPr>
-        <p:spPr>
-          <a:xfrm>
-            <a:off x="2628900" y="2272749"/>
-            <a:ext cx="6934200" cy="1446550"/>
+        </p:nvPicPr>
+        <p:blipFill>
+          <a:blip r:embed="rId2">
+            <a:extLst>
+              <a:ext uri="{28A0092B-C50C-407E-A947-70E740481C1C}">
+                <a14:useLocalDpi xmlns:a14="http://schemas.microsoft.com/office/drawing/2010/main" val="0"/>
+              </a:ext>
+            </a:extLst>
+          </a:blip>
+          <a:stretch>
+            <a:fillRect/>
+          </a:stretch>
+        </p:blipFill>
+        <p:spPr>
+          <a:xfrm>
+            <a:off x="2425553" y="1413093"/>
+            <a:ext cx="6923678" cy="3657485"/>
           </a:xfrm>
           <a:prstGeom prst="rect">
             <a:avLst/>
           </a:prstGeom>
-          <a:noFill/>
-        </p:spPr>
-        <p:txBody>
-          <a:bodyPr wrap="square" rtlCol="0">
-            <a:spAutoFit/>
-          </a:bodyPr>
-          <a:lstStyle/>
-          <a:p>
-            <a:r>
-              <a:rPr lang="en-US" sz="8800" dirty="0"/>
-              <a:t>SNIMKA TUK</a:t>
-            </a:r>
-          </a:p>
-        </p:txBody>
-      </p:sp>
+        </p:spPr>
+      </p:pic>
     </p:spTree>
     <p:extLst>
       <p:ext uri="{BB962C8B-B14F-4D97-AF65-F5344CB8AC3E}">
